--- a/ppt 16-9/0886.愿耶和华赐福给.pptx
+++ b/ppt 16-9/0886.愿耶和华赐福给.pptx
@@ -129,7 +129,7 @@
           <p:cNvPr id="2" name="标题 1">
             <a:extLst>
               <a:ext uri="{FF2B5EF4-FFF2-40B4-BE49-F238E27FC236}">
-                <a16:creationId xmlns:a16="http://schemas.microsoft.com/office/drawing/2014/main" id="{D28E8049-5A41-4337-7A23-7EAE83C786F8}"/>
+                <a16:creationId xmlns:a16="http://schemas.microsoft.com/office/drawing/2014/main" id="{8D0146DA-E559-9E59-9EA8-2DFA0A3CA339}"/>
               </a:ext>
             </a:extLst>
           </p:cNvPr>
@@ -166,7 +166,7 @@
           <p:cNvPr id="3" name="副标题 2">
             <a:extLst>
               <a:ext uri="{FF2B5EF4-FFF2-40B4-BE49-F238E27FC236}">
-                <a16:creationId xmlns:a16="http://schemas.microsoft.com/office/drawing/2014/main" id="{77E67701-7AB1-F153-E328-3FF38C8AA142}"/>
+                <a16:creationId xmlns:a16="http://schemas.microsoft.com/office/drawing/2014/main" id="{830A2D86-4149-CF09-1C66-24EC49C9BBC7}"/>
               </a:ext>
             </a:extLst>
           </p:cNvPr>
@@ -236,7 +236,7 @@
           <p:cNvPr id="4" name="日期占位符 3">
             <a:extLst>
               <a:ext uri="{FF2B5EF4-FFF2-40B4-BE49-F238E27FC236}">
-                <a16:creationId xmlns:a16="http://schemas.microsoft.com/office/drawing/2014/main" id="{540E6346-8AD0-C19C-6492-6973D2064D38}"/>
+                <a16:creationId xmlns:a16="http://schemas.microsoft.com/office/drawing/2014/main" id="{14B7DD52-8727-07C0-814D-1F5B44544A93}"/>
               </a:ext>
             </a:extLst>
           </p:cNvPr>
@@ -252,7 +252,7 @@
           <a:bodyPr/>
           <a:lstStyle/>
           <a:p>
-            <a:fld id="{2CA44B3E-00B4-4E1F-A953-23C140B9A70F}" type="datetimeFigureOut">
+            <a:fld id="{69A06FB8-6B9A-410F-B18B-1B4CA8E51F63}" type="datetimeFigureOut">
               <a:rPr lang="zh-CN" altLang="en-US" smtClean="0"/>
               <a:t>2024/3/10</a:t>
             </a:fld>
@@ -265,7 +265,7 @@
           <p:cNvPr id="5" name="页脚占位符 4">
             <a:extLst>
               <a:ext uri="{FF2B5EF4-FFF2-40B4-BE49-F238E27FC236}">
-                <a16:creationId xmlns:a16="http://schemas.microsoft.com/office/drawing/2014/main" id="{C10964AB-471F-DCE8-59FD-AC2A902559A9}"/>
+                <a16:creationId xmlns:a16="http://schemas.microsoft.com/office/drawing/2014/main" id="{3AE50533-8FAD-F8DC-8167-88FF79C5D1B8}"/>
               </a:ext>
             </a:extLst>
           </p:cNvPr>
@@ -290,7 +290,7 @@
           <p:cNvPr id="6" name="灯片编号占位符 5">
             <a:extLst>
               <a:ext uri="{FF2B5EF4-FFF2-40B4-BE49-F238E27FC236}">
-                <a16:creationId xmlns:a16="http://schemas.microsoft.com/office/drawing/2014/main" id="{BEC53F2A-8C3F-9E65-05FB-01CBB7CCDF95}"/>
+                <a16:creationId xmlns:a16="http://schemas.microsoft.com/office/drawing/2014/main" id="{17E901C4-35C1-0888-438A-DE1C2558A47A}"/>
               </a:ext>
             </a:extLst>
           </p:cNvPr>
@@ -306,7 +306,7 @@
           <a:bodyPr/>
           <a:lstStyle/>
           <a:p>
-            <a:fld id="{207BE014-4897-4D3F-AA1B-1881746882EB}" type="slidenum">
+            <a:fld id="{B53149A0-E2F7-456F-ACAC-CD1CDE28E6C3}" type="slidenum">
               <a:rPr lang="zh-CN" altLang="en-US" smtClean="0"/>
               <a:t>‹#›</a:t>
             </a:fld>
@@ -317,7 +317,7 @@
     </p:spTree>
     <p:extLst>
       <p:ext uri="{BB962C8B-B14F-4D97-AF65-F5344CB8AC3E}">
-        <p14:creationId xmlns:p14="http://schemas.microsoft.com/office/powerpoint/2010/main" val="2581702031"/>
+        <p14:creationId xmlns:p14="http://schemas.microsoft.com/office/powerpoint/2010/main" val="3964039136"/>
       </p:ext>
     </p:extLst>
   </p:cSld>
@@ -349,7 +349,7 @@
           <p:cNvPr id="2" name="标题 1">
             <a:extLst>
               <a:ext uri="{FF2B5EF4-FFF2-40B4-BE49-F238E27FC236}">
-                <a16:creationId xmlns:a16="http://schemas.microsoft.com/office/drawing/2014/main" id="{1D426BD7-5339-AB39-75D0-5311E4F8A979}"/>
+                <a16:creationId xmlns:a16="http://schemas.microsoft.com/office/drawing/2014/main" id="{245394E8-E271-A8B2-9A84-DF1FEDF6B8F0}"/>
               </a:ext>
             </a:extLst>
           </p:cNvPr>
@@ -377,7 +377,7 @@
           <p:cNvPr id="3" name="竖排文字占位符 2">
             <a:extLst>
               <a:ext uri="{FF2B5EF4-FFF2-40B4-BE49-F238E27FC236}">
-                <a16:creationId xmlns:a16="http://schemas.microsoft.com/office/drawing/2014/main" id="{CD64F6CB-9502-5A38-2F21-D39A05AC3079}"/>
+                <a16:creationId xmlns:a16="http://schemas.microsoft.com/office/drawing/2014/main" id="{2901A3D9-2033-65D3-6548-AF6BC2343A19}"/>
               </a:ext>
             </a:extLst>
           </p:cNvPr>
@@ -434,7 +434,7 @@
           <p:cNvPr id="4" name="日期占位符 3">
             <a:extLst>
               <a:ext uri="{FF2B5EF4-FFF2-40B4-BE49-F238E27FC236}">
-                <a16:creationId xmlns:a16="http://schemas.microsoft.com/office/drawing/2014/main" id="{92FF0938-1170-218E-8B3D-8AD2B6996AF0}"/>
+                <a16:creationId xmlns:a16="http://schemas.microsoft.com/office/drawing/2014/main" id="{D7C1403F-206B-0A2D-1803-C41ED4479B41}"/>
               </a:ext>
             </a:extLst>
           </p:cNvPr>
@@ -450,7 +450,7 @@
           <a:bodyPr/>
           <a:lstStyle/>
           <a:p>
-            <a:fld id="{2CA44B3E-00B4-4E1F-A953-23C140B9A70F}" type="datetimeFigureOut">
+            <a:fld id="{69A06FB8-6B9A-410F-B18B-1B4CA8E51F63}" type="datetimeFigureOut">
               <a:rPr lang="zh-CN" altLang="en-US" smtClean="0"/>
               <a:t>2024/3/10</a:t>
             </a:fld>
@@ -463,7 +463,7 @@
           <p:cNvPr id="5" name="页脚占位符 4">
             <a:extLst>
               <a:ext uri="{FF2B5EF4-FFF2-40B4-BE49-F238E27FC236}">
-                <a16:creationId xmlns:a16="http://schemas.microsoft.com/office/drawing/2014/main" id="{DBDE9F9C-A115-D81F-31E1-5080F24E1C42}"/>
+                <a16:creationId xmlns:a16="http://schemas.microsoft.com/office/drawing/2014/main" id="{C03E8CA8-CCE7-F5DB-25AD-3E0584B73C97}"/>
               </a:ext>
             </a:extLst>
           </p:cNvPr>
@@ -488,7 +488,7 @@
           <p:cNvPr id="6" name="灯片编号占位符 5">
             <a:extLst>
               <a:ext uri="{FF2B5EF4-FFF2-40B4-BE49-F238E27FC236}">
-                <a16:creationId xmlns:a16="http://schemas.microsoft.com/office/drawing/2014/main" id="{D875BEA7-BD2E-236B-ADE7-569E758D461C}"/>
+                <a16:creationId xmlns:a16="http://schemas.microsoft.com/office/drawing/2014/main" id="{4BF4110B-E2DB-876E-FDA0-EA454712C6FD}"/>
               </a:ext>
             </a:extLst>
           </p:cNvPr>
@@ -504,7 +504,7 @@
           <a:bodyPr/>
           <a:lstStyle/>
           <a:p>
-            <a:fld id="{207BE014-4897-4D3F-AA1B-1881746882EB}" type="slidenum">
+            <a:fld id="{B53149A0-E2F7-456F-ACAC-CD1CDE28E6C3}" type="slidenum">
               <a:rPr lang="zh-CN" altLang="en-US" smtClean="0"/>
               <a:t>‹#›</a:t>
             </a:fld>
@@ -515,7 +515,7 @@
     </p:spTree>
     <p:extLst>
       <p:ext uri="{BB962C8B-B14F-4D97-AF65-F5344CB8AC3E}">
-        <p14:creationId xmlns:p14="http://schemas.microsoft.com/office/powerpoint/2010/main" val="2517380532"/>
+        <p14:creationId xmlns:p14="http://schemas.microsoft.com/office/powerpoint/2010/main" val="1612424278"/>
       </p:ext>
     </p:extLst>
   </p:cSld>
@@ -547,7 +547,7 @@
           <p:cNvPr id="2" name="竖排标题 1">
             <a:extLst>
               <a:ext uri="{FF2B5EF4-FFF2-40B4-BE49-F238E27FC236}">
-                <a16:creationId xmlns:a16="http://schemas.microsoft.com/office/drawing/2014/main" id="{8A20CE42-D259-FAD2-EBEF-10F41B561B0C}"/>
+                <a16:creationId xmlns:a16="http://schemas.microsoft.com/office/drawing/2014/main" id="{73E6173E-5EE6-E819-77EA-DC466CD17574}"/>
               </a:ext>
             </a:extLst>
           </p:cNvPr>
@@ -580,7 +580,7 @@
           <p:cNvPr id="3" name="竖排文字占位符 2">
             <a:extLst>
               <a:ext uri="{FF2B5EF4-FFF2-40B4-BE49-F238E27FC236}">
-                <a16:creationId xmlns:a16="http://schemas.microsoft.com/office/drawing/2014/main" id="{9D65251F-13A5-4A46-1971-C8413595C3CF}"/>
+                <a16:creationId xmlns:a16="http://schemas.microsoft.com/office/drawing/2014/main" id="{66019766-5486-BEED-2818-DB011C1AB7BA}"/>
               </a:ext>
             </a:extLst>
           </p:cNvPr>
@@ -642,7 +642,7 @@
           <p:cNvPr id="4" name="日期占位符 3">
             <a:extLst>
               <a:ext uri="{FF2B5EF4-FFF2-40B4-BE49-F238E27FC236}">
-                <a16:creationId xmlns:a16="http://schemas.microsoft.com/office/drawing/2014/main" id="{64964738-9407-3E15-D4EE-445C77580A23}"/>
+                <a16:creationId xmlns:a16="http://schemas.microsoft.com/office/drawing/2014/main" id="{68289EB4-6E18-36C6-432A-CBF2E37052E8}"/>
               </a:ext>
             </a:extLst>
           </p:cNvPr>
@@ -658,7 +658,7 @@
           <a:bodyPr/>
           <a:lstStyle/>
           <a:p>
-            <a:fld id="{2CA44B3E-00B4-4E1F-A953-23C140B9A70F}" type="datetimeFigureOut">
+            <a:fld id="{69A06FB8-6B9A-410F-B18B-1B4CA8E51F63}" type="datetimeFigureOut">
               <a:rPr lang="zh-CN" altLang="en-US" smtClean="0"/>
               <a:t>2024/3/10</a:t>
             </a:fld>
@@ -671,7 +671,7 @@
           <p:cNvPr id="5" name="页脚占位符 4">
             <a:extLst>
               <a:ext uri="{FF2B5EF4-FFF2-40B4-BE49-F238E27FC236}">
-                <a16:creationId xmlns:a16="http://schemas.microsoft.com/office/drawing/2014/main" id="{D8E1F2F4-A455-DD6F-CFE6-B9003296E448}"/>
+                <a16:creationId xmlns:a16="http://schemas.microsoft.com/office/drawing/2014/main" id="{F380D0EB-D236-0343-B03F-B03E81F3EBFB}"/>
               </a:ext>
             </a:extLst>
           </p:cNvPr>
@@ -696,7 +696,7 @@
           <p:cNvPr id="6" name="灯片编号占位符 5">
             <a:extLst>
               <a:ext uri="{FF2B5EF4-FFF2-40B4-BE49-F238E27FC236}">
-                <a16:creationId xmlns:a16="http://schemas.microsoft.com/office/drawing/2014/main" id="{6CD3332D-8E5C-3CE7-560A-71C1A08C145B}"/>
+                <a16:creationId xmlns:a16="http://schemas.microsoft.com/office/drawing/2014/main" id="{A82161B8-74F7-BCEC-5459-2AFC9DA6AE35}"/>
               </a:ext>
             </a:extLst>
           </p:cNvPr>
@@ -712,7 +712,7 @@
           <a:bodyPr/>
           <a:lstStyle/>
           <a:p>
-            <a:fld id="{207BE014-4897-4D3F-AA1B-1881746882EB}" type="slidenum">
+            <a:fld id="{B53149A0-E2F7-456F-ACAC-CD1CDE28E6C3}" type="slidenum">
               <a:rPr lang="zh-CN" altLang="en-US" smtClean="0"/>
               <a:t>‹#›</a:t>
             </a:fld>
@@ -723,7 +723,7 @@
     </p:spTree>
     <p:extLst>
       <p:ext uri="{BB962C8B-B14F-4D97-AF65-F5344CB8AC3E}">
-        <p14:creationId xmlns:p14="http://schemas.microsoft.com/office/powerpoint/2010/main" val="2146157796"/>
+        <p14:creationId xmlns:p14="http://schemas.microsoft.com/office/powerpoint/2010/main" val="1412849502"/>
       </p:ext>
     </p:extLst>
   </p:cSld>
@@ -755,7 +755,7 @@
           <p:cNvPr id="2" name="标题 1">
             <a:extLst>
               <a:ext uri="{FF2B5EF4-FFF2-40B4-BE49-F238E27FC236}">
-                <a16:creationId xmlns:a16="http://schemas.microsoft.com/office/drawing/2014/main" id="{19E10E5A-975A-3175-9C48-67C4FC32D6E9}"/>
+                <a16:creationId xmlns:a16="http://schemas.microsoft.com/office/drawing/2014/main" id="{36C48CA0-3714-DCBE-B6C9-57291A505D0D}"/>
               </a:ext>
             </a:extLst>
           </p:cNvPr>
@@ -783,7 +783,7 @@
           <p:cNvPr id="3" name="内容占位符 2">
             <a:extLst>
               <a:ext uri="{FF2B5EF4-FFF2-40B4-BE49-F238E27FC236}">
-                <a16:creationId xmlns:a16="http://schemas.microsoft.com/office/drawing/2014/main" id="{7C1B93E6-7A7D-8F6D-3894-04FA200B4FFB}"/>
+                <a16:creationId xmlns:a16="http://schemas.microsoft.com/office/drawing/2014/main" id="{44377740-D70C-25D2-0053-AC8E9CFB54C2}"/>
               </a:ext>
             </a:extLst>
           </p:cNvPr>
@@ -840,7 +840,7 @@
           <p:cNvPr id="4" name="日期占位符 3">
             <a:extLst>
               <a:ext uri="{FF2B5EF4-FFF2-40B4-BE49-F238E27FC236}">
-                <a16:creationId xmlns:a16="http://schemas.microsoft.com/office/drawing/2014/main" id="{DF686092-E10C-97F2-CB9A-EA0A148760E4}"/>
+                <a16:creationId xmlns:a16="http://schemas.microsoft.com/office/drawing/2014/main" id="{BBA61007-B5A1-B54E-15C1-59EF2E3E8927}"/>
               </a:ext>
             </a:extLst>
           </p:cNvPr>
@@ -856,7 +856,7 @@
           <a:bodyPr/>
           <a:lstStyle/>
           <a:p>
-            <a:fld id="{2CA44B3E-00B4-4E1F-A953-23C140B9A70F}" type="datetimeFigureOut">
+            <a:fld id="{69A06FB8-6B9A-410F-B18B-1B4CA8E51F63}" type="datetimeFigureOut">
               <a:rPr lang="zh-CN" altLang="en-US" smtClean="0"/>
               <a:t>2024/3/10</a:t>
             </a:fld>
@@ -869,7 +869,7 @@
           <p:cNvPr id="5" name="页脚占位符 4">
             <a:extLst>
               <a:ext uri="{FF2B5EF4-FFF2-40B4-BE49-F238E27FC236}">
-                <a16:creationId xmlns:a16="http://schemas.microsoft.com/office/drawing/2014/main" id="{3417079F-FC7E-C188-4150-12C3AB5F8E5A}"/>
+                <a16:creationId xmlns:a16="http://schemas.microsoft.com/office/drawing/2014/main" id="{09E84542-9BC2-B5BD-E22B-AAA970C1135E}"/>
               </a:ext>
             </a:extLst>
           </p:cNvPr>
@@ -894,7 +894,7 @@
           <p:cNvPr id="6" name="灯片编号占位符 5">
             <a:extLst>
               <a:ext uri="{FF2B5EF4-FFF2-40B4-BE49-F238E27FC236}">
-                <a16:creationId xmlns:a16="http://schemas.microsoft.com/office/drawing/2014/main" id="{C08B6FA2-B15D-078A-D718-D8E8AA77A709}"/>
+                <a16:creationId xmlns:a16="http://schemas.microsoft.com/office/drawing/2014/main" id="{DC29E0CD-3AC3-681C-6CB4-CE5592173771}"/>
               </a:ext>
             </a:extLst>
           </p:cNvPr>
@@ -910,7 +910,7 @@
           <a:bodyPr/>
           <a:lstStyle/>
           <a:p>
-            <a:fld id="{207BE014-4897-4D3F-AA1B-1881746882EB}" type="slidenum">
+            <a:fld id="{B53149A0-E2F7-456F-ACAC-CD1CDE28E6C3}" type="slidenum">
               <a:rPr lang="zh-CN" altLang="en-US" smtClean="0"/>
               <a:t>‹#›</a:t>
             </a:fld>
@@ -921,7 +921,7 @@
     </p:spTree>
     <p:extLst>
       <p:ext uri="{BB962C8B-B14F-4D97-AF65-F5344CB8AC3E}">
-        <p14:creationId xmlns:p14="http://schemas.microsoft.com/office/powerpoint/2010/main" val="2356324340"/>
+        <p14:creationId xmlns:p14="http://schemas.microsoft.com/office/powerpoint/2010/main" val="2449723537"/>
       </p:ext>
     </p:extLst>
   </p:cSld>
@@ -953,7 +953,7 @@
           <p:cNvPr id="2" name="标题 1">
             <a:extLst>
               <a:ext uri="{FF2B5EF4-FFF2-40B4-BE49-F238E27FC236}">
-                <a16:creationId xmlns:a16="http://schemas.microsoft.com/office/drawing/2014/main" id="{A47D9298-D4D9-3A1F-4AA5-B6B596D1B2AB}"/>
+                <a16:creationId xmlns:a16="http://schemas.microsoft.com/office/drawing/2014/main" id="{C392B024-3414-A4E2-058F-4637A60D1F94}"/>
               </a:ext>
             </a:extLst>
           </p:cNvPr>
@@ -990,7 +990,7 @@
           <p:cNvPr id="3" name="文本占位符 2">
             <a:extLst>
               <a:ext uri="{FF2B5EF4-FFF2-40B4-BE49-F238E27FC236}">
-                <a16:creationId xmlns:a16="http://schemas.microsoft.com/office/drawing/2014/main" id="{E3C861A7-ED29-C72B-57DF-73EE7AB19211}"/>
+                <a16:creationId xmlns:a16="http://schemas.microsoft.com/office/drawing/2014/main" id="{88BAF77D-0700-9A51-FED6-3AD8AEBF4D00}"/>
               </a:ext>
             </a:extLst>
           </p:cNvPr>
@@ -1115,7 +1115,7 @@
           <p:cNvPr id="4" name="日期占位符 3">
             <a:extLst>
               <a:ext uri="{FF2B5EF4-FFF2-40B4-BE49-F238E27FC236}">
-                <a16:creationId xmlns:a16="http://schemas.microsoft.com/office/drawing/2014/main" id="{42537FB0-522D-F369-FEC3-5A3210F5FB7D}"/>
+                <a16:creationId xmlns:a16="http://schemas.microsoft.com/office/drawing/2014/main" id="{FF7286D3-BC0D-CBF0-A080-A120A4FAEC70}"/>
               </a:ext>
             </a:extLst>
           </p:cNvPr>
@@ -1131,7 +1131,7 @@
           <a:bodyPr/>
           <a:lstStyle/>
           <a:p>
-            <a:fld id="{2CA44B3E-00B4-4E1F-A953-23C140B9A70F}" type="datetimeFigureOut">
+            <a:fld id="{69A06FB8-6B9A-410F-B18B-1B4CA8E51F63}" type="datetimeFigureOut">
               <a:rPr lang="zh-CN" altLang="en-US" smtClean="0"/>
               <a:t>2024/3/10</a:t>
             </a:fld>
@@ -1144,7 +1144,7 @@
           <p:cNvPr id="5" name="页脚占位符 4">
             <a:extLst>
               <a:ext uri="{FF2B5EF4-FFF2-40B4-BE49-F238E27FC236}">
-                <a16:creationId xmlns:a16="http://schemas.microsoft.com/office/drawing/2014/main" id="{861AC303-5ACC-8BC2-714F-7049F4BBAA27}"/>
+                <a16:creationId xmlns:a16="http://schemas.microsoft.com/office/drawing/2014/main" id="{05B66EBF-EB76-B23F-1612-70BB9EB40F76}"/>
               </a:ext>
             </a:extLst>
           </p:cNvPr>
@@ -1169,7 +1169,7 @@
           <p:cNvPr id="6" name="灯片编号占位符 5">
             <a:extLst>
               <a:ext uri="{FF2B5EF4-FFF2-40B4-BE49-F238E27FC236}">
-                <a16:creationId xmlns:a16="http://schemas.microsoft.com/office/drawing/2014/main" id="{75D2B7BD-7C30-56A4-65E2-506655A3BAD0}"/>
+                <a16:creationId xmlns:a16="http://schemas.microsoft.com/office/drawing/2014/main" id="{38864E41-7B13-3A17-C6DB-7ECDCF50E182}"/>
               </a:ext>
             </a:extLst>
           </p:cNvPr>
@@ -1185,7 +1185,7 @@
           <a:bodyPr/>
           <a:lstStyle/>
           <a:p>
-            <a:fld id="{207BE014-4897-4D3F-AA1B-1881746882EB}" type="slidenum">
+            <a:fld id="{B53149A0-E2F7-456F-ACAC-CD1CDE28E6C3}" type="slidenum">
               <a:rPr lang="zh-CN" altLang="en-US" smtClean="0"/>
               <a:t>‹#›</a:t>
             </a:fld>
@@ -1196,7 +1196,7 @@
     </p:spTree>
     <p:extLst>
       <p:ext uri="{BB962C8B-B14F-4D97-AF65-F5344CB8AC3E}">
-        <p14:creationId xmlns:p14="http://schemas.microsoft.com/office/powerpoint/2010/main" val="1319292991"/>
+        <p14:creationId xmlns:p14="http://schemas.microsoft.com/office/powerpoint/2010/main" val="3650081015"/>
       </p:ext>
     </p:extLst>
   </p:cSld>
@@ -1228,7 +1228,7 @@
           <p:cNvPr id="2" name="标题 1">
             <a:extLst>
               <a:ext uri="{FF2B5EF4-FFF2-40B4-BE49-F238E27FC236}">
-                <a16:creationId xmlns:a16="http://schemas.microsoft.com/office/drawing/2014/main" id="{4E9C8873-9AF8-CEA7-28EA-E72AF4F0AE07}"/>
+                <a16:creationId xmlns:a16="http://schemas.microsoft.com/office/drawing/2014/main" id="{98178237-27F5-E4E9-C452-592F63856381}"/>
               </a:ext>
             </a:extLst>
           </p:cNvPr>
@@ -1256,7 +1256,7 @@
           <p:cNvPr id="3" name="内容占位符 2">
             <a:extLst>
               <a:ext uri="{FF2B5EF4-FFF2-40B4-BE49-F238E27FC236}">
-                <a16:creationId xmlns:a16="http://schemas.microsoft.com/office/drawing/2014/main" id="{38145033-9B58-F008-AB95-39C2B6A37EFE}"/>
+                <a16:creationId xmlns:a16="http://schemas.microsoft.com/office/drawing/2014/main" id="{8AF744CA-E4A5-DBDA-84F7-64CEDCA4B675}"/>
               </a:ext>
             </a:extLst>
           </p:cNvPr>
@@ -1318,7 +1318,7 @@
           <p:cNvPr id="4" name="内容占位符 3">
             <a:extLst>
               <a:ext uri="{FF2B5EF4-FFF2-40B4-BE49-F238E27FC236}">
-                <a16:creationId xmlns:a16="http://schemas.microsoft.com/office/drawing/2014/main" id="{8D7BEF9F-DE35-C53D-65BD-BD904CCA225A}"/>
+                <a16:creationId xmlns:a16="http://schemas.microsoft.com/office/drawing/2014/main" id="{413011D4-F684-F530-C108-1CC3F3C3B2CB}"/>
               </a:ext>
             </a:extLst>
           </p:cNvPr>
@@ -1380,7 +1380,7 @@
           <p:cNvPr id="5" name="日期占位符 4">
             <a:extLst>
               <a:ext uri="{FF2B5EF4-FFF2-40B4-BE49-F238E27FC236}">
-                <a16:creationId xmlns:a16="http://schemas.microsoft.com/office/drawing/2014/main" id="{3FCE5DF7-BE10-3304-1AED-EB7C8AA45328}"/>
+                <a16:creationId xmlns:a16="http://schemas.microsoft.com/office/drawing/2014/main" id="{AB061776-F451-07C1-9D31-F2E850485AB0}"/>
               </a:ext>
             </a:extLst>
           </p:cNvPr>
@@ -1396,7 +1396,7 @@
           <a:bodyPr/>
           <a:lstStyle/>
           <a:p>
-            <a:fld id="{2CA44B3E-00B4-4E1F-A953-23C140B9A70F}" type="datetimeFigureOut">
+            <a:fld id="{69A06FB8-6B9A-410F-B18B-1B4CA8E51F63}" type="datetimeFigureOut">
               <a:rPr lang="zh-CN" altLang="en-US" smtClean="0"/>
               <a:t>2024/3/10</a:t>
             </a:fld>
@@ -1409,7 +1409,7 @@
           <p:cNvPr id="6" name="页脚占位符 5">
             <a:extLst>
               <a:ext uri="{FF2B5EF4-FFF2-40B4-BE49-F238E27FC236}">
-                <a16:creationId xmlns:a16="http://schemas.microsoft.com/office/drawing/2014/main" id="{D6B9F989-F882-87AA-19ED-6AB59BAF3FB9}"/>
+                <a16:creationId xmlns:a16="http://schemas.microsoft.com/office/drawing/2014/main" id="{08462FD2-0710-7A47-F618-64998C087BC9}"/>
               </a:ext>
             </a:extLst>
           </p:cNvPr>
@@ -1434,7 +1434,7 @@
           <p:cNvPr id="7" name="灯片编号占位符 6">
             <a:extLst>
               <a:ext uri="{FF2B5EF4-FFF2-40B4-BE49-F238E27FC236}">
-                <a16:creationId xmlns:a16="http://schemas.microsoft.com/office/drawing/2014/main" id="{3DEBEA56-BF4B-9B5E-AD67-31B8588E69BB}"/>
+                <a16:creationId xmlns:a16="http://schemas.microsoft.com/office/drawing/2014/main" id="{157AC43C-A664-AA04-A0E1-2CFF6E15050C}"/>
               </a:ext>
             </a:extLst>
           </p:cNvPr>
@@ -1450,7 +1450,7 @@
           <a:bodyPr/>
           <a:lstStyle/>
           <a:p>
-            <a:fld id="{207BE014-4897-4D3F-AA1B-1881746882EB}" type="slidenum">
+            <a:fld id="{B53149A0-E2F7-456F-ACAC-CD1CDE28E6C3}" type="slidenum">
               <a:rPr lang="zh-CN" altLang="en-US" smtClean="0"/>
               <a:t>‹#›</a:t>
             </a:fld>
@@ -1461,7 +1461,7 @@
     </p:spTree>
     <p:extLst>
       <p:ext uri="{BB962C8B-B14F-4D97-AF65-F5344CB8AC3E}">
-        <p14:creationId xmlns:p14="http://schemas.microsoft.com/office/powerpoint/2010/main" val="3631383321"/>
+        <p14:creationId xmlns:p14="http://schemas.microsoft.com/office/powerpoint/2010/main" val="422118607"/>
       </p:ext>
     </p:extLst>
   </p:cSld>
@@ -1493,7 +1493,7 @@
           <p:cNvPr id="2" name="标题 1">
             <a:extLst>
               <a:ext uri="{FF2B5EF4-FFF2-40B4-BE49-F238E27FC236}">
-                <a16:creationId xmlns:a16="http://schemas.microsoft.com/office/drawing/2014/main" id="{28277505-9C27-9DE8-F603-1DE6383D8C3F}"/>
+                <a16:creationId xmlns:a16="http://schemas.microsoft.com/office/drawing/2014/main" id="{F3B96F7E-433F-B391-5958-B78D3D41FE33}"/>
               </a:ext>
             </a:extLst>
           </p:cNvPr>
@@ -1526,7 +1526,7 @@
           <p:cNvPr id="3" name="文本占位符 2">
             <a:extLst>
               <a:ext uri="{FF2B5EF4-FFF2-40B4-BE49-F238E27FC236}">
-                <a16:creationId xmlns:a16="http://schemas.microsoft.com/office/drawing/2014/main" id="{1ED7B3D3-42EA-D4CE-E9B2-8C015E498350}"/>
+                <a16:creationId xmlns:a16="http://schemas.microsoft.com/office/drawing/2014/main" id="{4C31A669-C08E-EDB3-0FEA-8FEC92D08939}"/>
               </a:ext>
             </a:extLst>
           </p:cNvPr>
@@ -1597,7 +1597,7 @@
           <p:cNvPr id="4" name="内容占位符 3">
             <a:extLst>
               <a:ext uri="{FF2B5EF4-FFF2-40B4-BE49-F238E27FC236}">
-                <a16:creationId xmlns:a16="http://schemas.microsoft.com/office/drawing/2014/main" id="{1E89EC22-7F23-25D5-C8FF-D8648FF73DF2}"/>
+                <a16:creationId xmlns:a16="http://schemas.microsoft.com/office/drawing/2014/main" id="{E8C05147-D224-2C8D-3D5F-A83B845C183D}"/>
               </a:ext>
             </a:extLst>
           </p:cNvPr>
@@ -1659,7 +1659,7 @@
           <p:cNvPr id="5" name="文本占位符 4">
             <a:extLst>
               <a:ext uri="{FF2B5EF4-FFF2-40B4-BE49-F238E27FC236}">
-                <a16:creationId xmlns:a16="http://schemas.microsoft.com/office/drawing/2014/main" id="{16154B8F-F6AB-BF4C-D88E-923DD682777B}"/>
+                <a16:creationId xmlns:a16="http://schemas.microsoft.com/office/drawing/2014/main" id="{D4873D28-7B4A-B7FD-C0C4-F83B0F9C4F12}"/>
               </a:ext>
             </a:extLst>
           </p:cNvPr>
@@ -1730,7 +1730,7 @@
           <p:cNvPr id="6" name="内容占位符 5">
             <a:extLst>
               <a:ext uri="{FF2B5EF4-FFF2-40B4-BE49-F238E27FC236}">
-                <a16:creationId xmlns:a16="http://schemas.microsoft.com/office/drawing/2014/main" id="{D2B1E28D-FAF6-49B8-1CB4-D5F3D27D8717}"/>
+                <a16:creationId xmlns:a16="http://schemas.microsoft.com/office/drawing/2014/main" id="{0AD977E5-5F85-3FDF-A03E-6DCF32B8331F}"/>
               </a:ext>
             </a:extLst>
           </p:cNvPr>
@@ -1792,7 +1792,7 @@
           <p:cNvPr id="7" name="日期占位符 6">
             <a:extLst>
               <a:ext uri="{FF2B5EF4-FFF2-40B4-BE49-F238E27FC236}">
-                <a16:creationId xmlns:a16="http://schemas.microsoft.com/office/drawing/2014/main" id="{254E16ED-9DD1-A1D5-6207-0E00E9AA9FEA}"/>
+                <a16:creationId xmlns:a16="http://schemas.microsoft.com/office/drawing/2014/main" id="{6FEC7109-6467-1E9B-8742-F56106A3ECEF}"/>
               </a:ext>
             </a:extLst>
           </p:cNvPr>
@@ -1808,7 +1808,7 @@
           <a:bodyPr/>
           <a:lstStyle/>
           <a:p>
-            <a:fld id="{2CA44B3E-00B4-4E1F-A953-23C140B9A70F}" type="datetimeFigureOut">
+            <a:fld id="{69A06FB8-6B9A-410F-B18B-1B4CA8E51F63}" type="datetimeFigureOut">
               <a:rPr lang="zh-CN" altLang="en-US" smtClean="0"/>
               <a:t>2024/3/10</a:t>
             </a:fld>
@@ -1821,7 +1821,7 @@
           <p:cNvPr id="8" name="页脚占位符 7">
             <a:extLst>
               <a:ext uri="{FF2B5EF4-FFF2-40B4-BE49-F238E27FC236}">
-                <a16:creationId xmlns:a16="http://schemas.microsoft.com/office/drawing/2014/main" id="{FBDC9863-59AA-2213-9B5F-0413F094B555}"/>
+                <a16:creationId xmlns:a16="http://schemas.microsoft.com/office/drawing/2014/main" id="{78B66FD7-446E-1C5B-11F3-E0C086EDD8BE}"/>
               </a:ext>
             </a:extLst>
           </p:cNvPr>
@@ -1846,7 +1846,7 @@
           <p:cNvPr id="9" name="灯片编号占位符 8">
             <a:extLst>
               <a:ext uri="{FF2B5EF4-FFF2-40B4-BE49-F238E27FC236}">
-                <a16:creationId xmlns:a16="http://schemas.microsoft.com/office/drawing/2014/main" id="{E29E1896-B8B2-FB91-EDE0-3DBF2B7EA42E}"/>
+                <a16:creationId xmlns:a16="http://schemas.microsoft.com/office/drawing/2014/main" id="{B6AD1AD4-AAFF-61B6-54A1-3B65A9759E01}"/>
               </a:ext>
             </a:extLst>
           </p:cNvPr>
@@ -1862,7 +1862,7 @@
           <a:bodyPr/>
           <a:lstStyle/>
           <a:p>
-            <a:fld id="{207BE014-4897-4D3F-AA1B-1881746882EB}" type="slidenum">
+            <a:fld id="{B53149A0-E2F7-456F-ACAC-CD1CDE28E6C3}" type="slidenum">
               <a:rPr lang="zh-CN" altLang="en-US" smtClean="0"/>
               <a:t>‹#›</a:t>
             </a:fld>
@@ -1873,7 +1873,7 @@
     </p:spTree>
     <p:extLst>
       <p:ext uri="{BB962C8B-B14F-4D97-AF65-F5344CB8AC3E}">
-        <p14:creationId xmlns:p14="http://schemas.microsoft.com/office/powerpoint/2010/main" val="1884025876"/>
+        <p14:creationId xmlns:p14="http://schemas.microsoft.com/office/powerpoint/2010/main" val="2261660979"/>
       </p:ext>
     </p:extLst>
   </p:cSld>
@@ -1905,7 +1905,7 @@
           <p:cNvPr id="2" name="标题 1">
             <a:extLst>
               <a:ext uri="{FF2B5EF4-FFF2-40B4-BE49-F238E27FC236}">
-                <a16:creationId xmlns:a16="http://schemas.microsoft.com/office/drawing/2014/main" id="{2DC6F66C-8F15-2433-9ED0-4BFE32F2E727}"/>
+                <a16:creationId xmlns:a16="http://schemas.microsoft.com/office/drawing/2014/main" id="{9C6C5709-F0D8-D7AC-DCF0-63EFF78C65F6}"/>
               </a:ext>
             </a:extLst>
           </p:cNvPr>
@@ -1933,7 +1933,7 @@
           <p:cNvPr id="3" name="日期占位符 2">
             <a:extLst>
               <a:ext uri="{FF2B5EF4-FFF2-40B4-BE49-F238E27FC236}">
-                <a16:creationId xmlns:a16="http://schemas.microsoft.com/office/drawing/2014/main" id="{77969E23-41E1-2CE0-9E82-3E30DFF888EE}"/>
+                <a16:creationId xmlns:a16="http://schemas.microsoft.com/office/drawing/2014/main" id="{B875D6BF-168C-82DE-64DA-A6B4EB524653}"/>
               </a:ext>
             </a:extLst>
           </p:cNvPr>
@@ -1949,7 +1949,7 @@
           <a:bodyPr/>
           <a:lstStyle/>
           <a:p>
-            <a:fld id="{2CA44B3E-00B4-4E1F-A953-23C140B9A70F}" type="datetimeFigureOut">
+            <a:fld id="{69A06FB8-6B9A-410F-B18B-1B4CA8E51F63}" type="datetimeFigureOut">
               <a:rPr lang="zh-CN" altLang="en-US" smtClean="0"/>
               <a:t>2024/3/10</a:t>
             </a:fld>
@@ -1962,7 +1962,7 @@
           <p:cNvPr id="4" name="页脚占位符 3">
             <a:extLst>
               <a:ext uri="{FF2B5EF4-FFF2-40B4-BE49-F238E27FC236}">
-                <a16:creationId xmlns:a16="http://schemas.microsoft.com/office/drawing/2014/main" id="{9CEF902A-5CE9-B80D-C331-230184E9B2FA}"/>
+                <a16:creationId xmlns:a16="http://schemas.microsoft.com/office/drawing/2014/main" id="{A6ABA93E-5365-2195-CE1F-F297929A174F}"/>
               </a:ext>
             </a:extLst>
           </p:cNvPr>
@@ -1987,7 +1987,7 @@
           <p:cNvPr id="5" name="灯片编号占位符 4">
             <a:extLst>
               <a:ext uri="{FF2B5EF4-FFF2-40B4-BE49-F238E27FC236}">
-                <a16:creationId xmlns:a16="http://schemas.microsoft.com/office/drawing/2014/main" id="{CB221563-9BF8-47DB-5DAA-A5BCE76BB8C9}"/>
+                <a16:creationId xmlns:a16="http://schemas.microsoft.com/office/drawing/2014/main" id="{AAA20007-45CD-23C5-2997-5816E001743D}"/>
               </a:ext>
             </a:extLst>
           </p:cNvPr>
@@ -2003,7 +2003,7 @@
           <a:bodyPr/>
           <a:lstStyle/>
           <a:p>
-            <a:fld id="{207BE014-4897-4D3F-AA1B-1881746882EB}" type="slidenum">
+            <a:fld id="{B53149A0-E2F7-456F-ACAC-CD1CDE28E6C3}" type="slidenum">
               <a:rPr lang="zh-CN" altLang="en-US" smtClean="0"/>
               <a:t>‹#›</a:t>
             </a:fld>
@@ -2014,7 +2014,7 @@
     </p:spTree>
     <p:extLst>
       <p:ext uri="{BB962C8B-B14F-4D97-AF65-F5344CB8AC3E}">
-        <p14:creationId xmlns:p14="http://schemas.microsoft.com/office/powerpoint/2010/main" val="2006060224"/>
+        <p14:creationId xmlns:p14="http://schemas.microsoft.com/office/powerpoint/2010/main" val="2031487772"/>
       </p:ext>
     </p:extLst>
   </p:cSld>
@@ -2046,7 +2046,7 @@
           <p:cNvPr id="2" name="日期占位符 1">
             <a:extLst>
               <a:ext uri="{FF2B5EF4-FFF2-40B4-BE49-F238E27FC236}">
-                <a16:creationId xmlns:a16="http://schemas.microsoft.com/office/drawing/2014/main" id="{DF8C46C3-B528-9B84-F672-294B47D7CB38}"/>
+                <a16:creationId xmlns:a16="http://schemas.microsoft.com/office/drawing/2014/main" id="{0B4AAA46-7A51-FB39-0FC6-DB38A877BDD2}"/>
               </a:ext>
             </a:extLst>
           </p:cNvPr>
@@ -2062,7 +2062,7 @@
           <a:bodyPr/>
           <a:lstStyle/>
           <a:p>
-            <a:fld id="{2CA44B3E-00B4-4E1F-A953-23C140B9A70F}" type="datetimeFigureOut">
+            <a:fld id="{69A06FB8-6B9A-410F-B18B-1B4CA8E51F63}" type="datetimeFigureOut">
               <a:rPr lang="zh-CN" altLang="en-US" smtClean="0"/>
               <a:t>2024/3/10</a:t>
             </a:fld>
@@ -2075,7 +2075,7 @@
           <p:cNvPr id="3" name="页脚占位符 2">
             <a:extLst>
               <a:ext uri="{FF2B5EF4-FFF2-40B4-BE49-F238E27FC236}">
-                <a16:creationId xmlns:a16="http://schemas.microsoft.com/office/drawing/2014/main" id="{47823299-4305-CB85-EA91-9CBF5250D212}"/>
+                <a16:creationId xmlns:a16="http://schemas.microsoft.com/office/drawing/2014/main" id="{D6E1E74C-2BD6-6588-4F2E-1DBEA26BDA3C}"/>
               </a:ext>
             </a:extLst>
           </p:cNvPr>
@@ -2100,7 +2100,7 @@
           <p:cNvPr id="4" name="灯片编号占位符 3">
             <a:extLst>
               <a:ext uri="{FF2B5EF4-FFF2-40B4-BE49-F238E27FC236}">
-                <a16:creationId xmlns:a16="http://schemas.microsoft.com/office/drawing/2014/main" id="{42B14929-12F1-E262-DE63-BC3366DD1C47}"/>
+                <a16:creationId xmlns:a16="http://schemas.microsoft.com/office/drawing/2014/main" id="{B36E6058-6EC6-D311-A4ED-BFECB158B189}"/>
               </a:ext>
             </a:extLst>
           </p:cNvPr>
@@ -2116,7 +2116,7 @@
           <a:bodyPr/>
           <a:lstStyle/>
           <a:p>
-            <a:fld id="{207BE014-4897-4D3F-AA1B-1881746882EB}" type="slidenum">
+            <a:fld id="{B53149A0-E2F7-456F-ACAC-CD1CDE28E6C3}" type="slidenum">
               <a:rPr lang="zh-CN" altLang="en-US" smtClean="0"/>
               <a:t>‹#›</a:t>
             </a:fld>
@@ -2127,7 +2127,7 @@
     </p:spTree>
     <p:extLst>
       <p:ext uri="{BB962C8B-B14F-4D97-AF65-F5344CB8AC3E}">
-        <p14:creationId xmlns:p14="http://schemas.microsoft.com/office/powerpoint/2010/main" val="2932660948"/>
+        <p14:creationId xmlns:p14="http://schemas.microsoft.com/office/powerpoint/2010/main" val="2183213568"/>
       </p:ext>
     </p:extLst>
   </p:cSld>
@@ -2159,7 +2159,7 @@
           <p:cNvPr id="2" name="标题 1">
             <a:extLst>
               <a:ext uri="{FF2B5EF4-FFF2-40B4-BE49-F238E27FC236}">
-                <a16:creationId xmlns:a16="http://schemas.microsoft.com/office/drawing/2014/main" id="{3F380C2D-DEA7-E1FF-D76A-6A9D1606672C}"/>
+                <a16:creationId xmlns:a16="http://schemas.microsoft.com/office/drawing/2014/main" id="{3E6EEFD0-FCB3-2C62-ED8D-090C22128851}"/>
               </a:ext>
             </a:extLst>
           </p:cNvPr>
@@ -2196,7 +2196,7 @@
           <p:cNvPr id="3" name="内容占位符 2">
             <a:extLst>
               <a:ext uri="{FF2B5EF4-FFF2-40B4-BE49-F238E27FC236}">
-                <a16:creationId xmlns:a16="http://schemas.microsoft.com/office/drawing/2014/main" id="{9F08DFB5-DF33-9A07-5EB6-5D5FF96F9E03}"/>
+                <a16:creationId xmlns:a16="http://schemas.microsoft.com/office/drawing/2014/main" id="{2A8AB455-45E4-C56A-180B-7BFAB84B0ED6}"/>
               </a:ext>
             </a:extLst>
           </p:cNvPr>
@@ -2286,7 +2286,7 @@
           <p:cNvPr id="4" name="文本占位符 3">
             <a:extLst>
               <a:ext uri="{FF2B5EF4-FFF2-40B4-BE49-F238E27FC236}">
-                <a16:creationId xmlns:a16="http://schemas.microsoft.com/office/drawing/2014/main" id="{5762AB78-EAF0-7363-C0ED-7E5D91E377FF}"/>
+                <a16:creationId xmlns:a16="http://schemas.microsoft.com/office/drawing/2014/main" id="{91417377-A3D2-2121-7FAB-7F4598E260D9}"/>
               </a:ext>
             </a:extLst>
           </p:cNvPr>
@@ -2357,7 +2357,7 @@
           <p:cNvPr id="5" name="日期占位符 4">
             <a:extLst>
               <a:ext uri="{FF2B5EF4-FFF2-40B4-BE49-F238E27FC236}">
-                <a16:creationId xmlns:a16="http://schemas.microsoft.com/office/drawing/2014/main" id="{CB6463E5-17CB-EB7F-CC6E-3E9112E7BBD7}"/>
+                <a16:creationId xmlns:a16="http://schemas.microsoft.com/office/drawing/2014/main" id="{8101B400-47CF-0D31-9260-3DFC03B95272}"/>
               </a:ext>
             </a:extLst>
           </p:cNvPr>
@@ -2373,7 +2373,7 @@
           <a:bodyPr/>
           <a:lstStyle/>
           <a:p>
-            <a:fld id="{2CA44B3E-00B4-4E1F-A953-23C140B9A70F}" type="datetimeFigureOut">
+            <a:fld id="{69A06FB8-6B9A-410F-B18B-1B4CA8E51F63}" type="datetimeFigureOut">
               <a:rPr lang="zh-CN" altLang="en-US" smtClean="0"/>
               <a:t>2024/3/10</a:t>
             </a:fld>
@@ -2386,7 +2386,7 @@
           <p:cNvPr id="6" name="页脚占位符 5">
             <a:extLst>
               <a:ext uri="{FF2B5EF4-FFF2-40B4-BE49-F238E27FC236}">
-                <a16:creationId xmlns:a16="http://schemas.microsoft.com/office/drawing/2014/main" id="{8A55F4D6-BDE8-D6CA-9441-ADDB05AAEFC0}"/>
+                <a16:creationId xmlns:a16="http://schemas.microsoft.com/office/drawing/2014/main" id="{35D6F90D-2290-C0CC-0058-EABE0C9100F8}"/>
               </a:ext>
             </a:extLst>
           </p:cNvPr>
@@ -2411,7 +2411,7 @@
           <p:cNvPr id="7" name="灯片编号占位符 6">
             <a:extLst>
               <a:ext uri="{FF2B5EF4-FFF2-40B4-BE49-F238E27FC236}">
-                <a16:creationId xmlns:a16="http://schemas.microsoft.com/office/drawing/2014/main" id="{DE29E98A-00F9-65CD-83E6-41E462CF94D9}"/>
+                <a16:creationId xmlns:a16="http://schemas.microsoft.com/office/drawing/2014/main" id="{F6AF421C-84FE-6E42-5E53-4E4B84653F96}"/>
               </a:ext>
             </a:extLst>
           </p:cNvPr>
@@ -2427,7 +2427,7 @@
           <a:bodyPr/>
           <a:lstStyle/>
           <a:p>
-            <a:fld id="{207BE014-4897-4D3F-AA1B-1881746882EB}" type="slidenum">
+            <a:fld id="{B53149A0-E2F7-456F-ACAC-CD1CDE28E6C3}" type="slidenum">
               <a:rPr lang="zh-CN" altLang="en-US" smtClean="0"/>
               <a:t>‹#›</a:t>
             </a:fld>
@@ -2438,7 +2438,7 @@
     </p:spTree>
     <p:extLst>
       <p:ext uri="{BB962C8B-B14F-4D97-AF65-F5344CB8AC3E}">
-        <p14:creationId xmlns:p14="http://schemas.microsoft.com/office/powerpoint/2010/main" val="4276145830"/>
+        <p14:creationId xmlns:p14="http://schemas.microsoft.com/office/powerpoint/2010/main" val="4186300949"/>
       </p:ext>
     </p:extLst>
   </p:cSld>
@@ -2470,7 +2470,7 @@
           <p:cNvPr id="2" name="标题 1">
             <a:extLst>
               <a:ext uri="{FF2B5EF4-FFF2-40B4-BE49-F238E27FC236}">
-                <a16:creationId xmlns:a16="http://schemas.microsoft.com/office/drawing/2014/main" id="{9F05A747-8C6B-FB60-068E-4F1BA9CFC92A}"/>
+                <a16:creationId xmlns:a16="http://schemas.microsoft.com/office/drawing/2014/main" id="{4EE39B60-D630-C49B-BE79-BFB7B69CA8E4}"/>
               </a:ext>
             </a:extLst>
           </p:cNvPr>
@@ -2507,7 +2507,7 @@
           <p:cNvPr id="3" name="图片占位符 2">
             <a:extLst>
               <a:ext uri="{FF2B5EF4-FFF2-40B4-BE49-F238E27FC236}">
-                <a16:creationId xmlns:a16="http://schemas.microsoft.com/office/drawing/2014/main" id="{FD45933A-50EC-D9A5-A879-92993909E7CA}"/>
+                <a16:creationId xmlns:a16="http://schemas.microsoft.com/office/drawing/2014/main" id="{E2CE64CA-5E90-3337-95B9-69127FD9678F}"/>
               </a:ext>
             </a:extLst>
           </p:cNvPr>
@@ -2574,7 +2574,7 @@
           <p:cNvPr id="4" name="文本占位符 3">
             <a:extLst>
               <a:ext uri="{FF2B5EF4-FFF2-40B4-BE49-F238E27FC236}">
-                <a16:creationId xmlns:a16="http://schemas.microsoft.com/office/drawing/2014/main" id="{8470C85E-B373-DC61-1107-308E3AE06A37}"/>
+                <a16:creationId xmlns:a16="http://schemas.microsoft.com/office/drawing/2014/main" id="{310058EA-CFB9-7993-B3F7-0613EB487D61}"/>
               </a:ext>
             </a:extLst>
           </p:cNvPr>
@@ -2645,7 +2645,7 @@
           <p:cNvPr id="5" name="日期占位符 4">
             <a:extLst>
               <a:ext uri="{FF2B5EF4-FFF2-40B4-BE49-F238E27FC236}">
-                <a16:creationId xmlns:a16="http://schemas.microsoft.com/office/drawing/2014/main" id="{EEC7DD28-8D22-3DD3-1D8E-84D2DFE410F0}"/>
+                <a16:creationId xmlns:a16="http://schemas.microsoft.com/office/drawing/2014/main" id="{6807B708-BA32-B7A1-2CF2-3DC3FDACDF50}"/>
               </a:ext>
             </a:extLst>
           </p:cNvPr>
@@ -2661,7 +2661,7 @@
           <a:bodyPr/>
           <a:lstStyle/>
           <a:p>
-            <a:fld id="{2CA44B3E-00B4-4E1F-A953-23C140B9A70F}" type="datetimeFigureOut">
+            <a:fld id="{69A06FB8-6B9A-410F-B18B-1B4CA8E51F63}" type="datetimeFigureOut">
               <a:rPr lang="zh-CN" altLang="en-US" smtClean="0"/>
               <a:t>2024/3/10</a:t>
             </a:fld>
@@ -2674,7 +2674,7 @@
           <p:cNvPr id="6" name="页脚占位符 5">
             <a:extLst>
               <a:ext uri="{FF2B5EF4-FFF2-40B4-BE49-F238E27FC236}">
-                <a16:creationId xmlns:a16="http://schemas.microsoft.com/office/drawing/2014/main" id="{D8C6FCED-984F-39C8-8377-489F787AC651}"/>
+                <a16:creationId xmlns:a16="http://schemas.microsoft.com/office/drawing/2014/main" id="{1F11666A-F1C5-27F1-D778-BFE7642195CA}"/>
               </a:ext>
             </a:extLst>
           </p:cNvPr>
@@ -2699,7 +2699,7 @@
           <p:cNvPr id="7" name="灯片编号占位符 6">
             <a:extLst>
               <a:ext uri="{FF2B5EF4-FFF2-40B4-BE49-F238E27FC236}">
-                <a16:creationId xmlns:a16="http://schemas.microsoft.com/office/drawing/2014/main" id="{9880A99A-706B-E944-0454-FB0A2C7575CF}"/>
+                <a16:creationId xmlns:a16="http://schemas.microsoft.com/office/drawing/2014/main" id="{2E04624A-6C04-875A-32C8-43D413B5165D}"/>
               </a:ext>
             </a:extLst>
           </p:cNvPr>
@@ -2715,7 +2715,7 @@
           <a:bodyPr/>
           <a:lstStyle/>
           <a:p>
-            <a:fld id="{207BE014-4897-4D3F-AA1B-1881746882EB}" type="slidenum">
+            <a:fld id="{B53149A0-E2F7-456F-ACAC-CD1CDE28E6C3}" type="slidenum">
               <a:rPr lang="zh-CN" altLang="en-US" smtClean="0"/>
               <a:t>‹#›</a:t>
             </a:fld>
@@ -2726,7 +2726,7 @@
     </p:spTree>
     <p:extLst>
       <p:ext uri="{BB962C8B-B14F-4D97-AF65-F5344CB8AC3E}">
-        <p14:creationId xmlns:p14="http://schemas.microsoft.com/office/powerpoint/2010/main" val="3383041872"/>
+        <p14:creationId xmlns:p14="http://schemas.microsoft.com/office/powerpoint/2010/main" val="2214675936"/>
       </p:ext>
     </p:extLst>
   </p:cSld>
@@ -2763,7 +2763,7 @@
           <p:cNvPr id="2" name="标题占位符 1">
             <a:extLst>
               <a:ext uri="{FF2B5EF4-FFF2-40B4-BE49-F238E27FC236}">
-                <a16:creationId xmlns:a16="http://schemas.microsoft.com/office/drawing/2014/main" id="{3D63AFD8-289C-9198-E828-6430A49A05ED}"/>
+                <a16:creationId xmlns:a16="http://schemas.microsoft.com/office/drawing/2014/main" id="{7D639BA3-CDE2-2220-BB7B-2F748CD97823}"/>
               </a:ext>
             </a:extLst>
           </p:cNvPr>
@@ -2801,7 +2801,7 @@
           <p:cNvPr id="3" name="文本占位符 2">
             <a:extLst>
               <a:ext uri="{FF2B5EF4-FFF2-40B4-BE49-F238E27FC236}">
-                <a16:creationId xmlns:a16="http://schemas.microsoft.com/office/drawing/2014/main" id="{EFE0E49B-6F44-0C89-1BE7-3C50BA68EF17}"/>
+                <a16:creationId xmlns:a16="http://schemas.microsoft.com/office/drawing/2014/main" id="{1159BDB7-EF31-634F-E467-487724C94CD9}"/>
               </a:ext>
             </a:extLst>
           </p:cNvPr>
@@ -2868,7 +2868,7 @@
           <p:cNvPr id="4" name="日期占位符 3">
             <a:extLst>
               <a:ext uri="{FF2B5EF4-FFF2-40B4-BE49-F238E27FC236}">
-                <a16:creationId xmlns:a16="http://schemas.microsoft.com/office/drawing/2014/main" id="{64E3CD5E-BADC-66DE-5586-8A2232791F5C}"/>
+                <a16:creationId xmlns:a16="http://schemas.microsoft.com/office/drawing/2014/main" id="{DC4245F3-CF95-9126-D2AE-32041387A035}"/>
               </a:ext>
             </a:extLst>
           </p:cNvPr>
@@ -2902,7 +2902,7 @@
             </a:lvl1pPr>
           </a:lstStyle>
           <a:p>
-            <a:fld id="{2CA44B3E-00B4-4E1F-A953-23C140B9A70F}" type="datetimeFigureOut">
+            <a:fld id="{69A06FB8-6B9A-410F-B18B-1B4CA8E51F63}" type="datetimeFigureOut">
               <a:rPr lang="zh-CN" altLang="en-US" smtClean="0"/>
               <a:t>2024/3/10</a:t>
             </a:fld>
@@ -2915,7 +2915,7 @@
           <p:cNvPr id="5" name="页脚占位符 4">
             <a:extLst>
               <a:ext uri="{FF2B5EF4-FFF2-40B4-BE49-F238E27FC236}">
-                <a16:creationId xmlns:a16="http://schemas.microsoft.com/office/drawing/2014/main" id="{FFAAE233-C296-FD9D-E39D-70C453E68C32}"/>
+                <a16:creationId xmlns:a16="http://schemas.microsoft.com/office/drawing/2014/main" id="{A0919E16-3538-834B-8270-57506F462F1F}"/>
               </a:ext>
             </a:extLst>
           </p:cNvPr>
@@ -2958,7 +2958,7 @@
           <p:cNvPr id="6" name="灯片编号占位符 5">
             <a:extLst>
               <a:ext uri="{FF2B5EF4-FFF2-40B4-BE49-F238E27FC236}">
-                <a16:creationId xmlns:a16="http://schemas.microsoft.com/office/drawing/2014/main" id="{5430F5AC-A9B9-5D95-DFE9-525A4E72FAF8}"/>
+                <a16:creationId xmlns:a16="http://schemas.microsoft.com/office/drawing/2014/main" id="{0C69A3A7-A801-F847-1EC4-B8F6EFE70058}"/>
               </a:ext>
             </a:extLst>
           </p:cNvPr>
@@ -2992,7 +2992,7 @@
             </a:lvl1pPr>
           </a:lstStyle>
           <a:p>
-            <a:fld id="{207BE014-4897-4D3F-AA1B-1881746882EB}" type="slidenum">
+            <a:fld id="{B53149A0-E2F7-456F-ACAC-CD1CDE28E6C3}" type="slidenum">
               <a:rPr lang="zh-CN" altLang="en-US" smtClean="0"/>
               <a:t>‹#›</a:t>
             </a:fld>
@@ -3003,7 +3003,7 @@
     </p:spTree>
     <p:extLst>
       <p:ext uri="{BB962C8B-B14F-4D97-AF65-F5344CB8AC3E}">
-        <p14:creationId xmlns:p14="http://schemas.microsoft.com/office/powerpoint/2010/main" val="1606634329"/>
+        <p14:creationId xmlns:p14="http://schemas.microsoft.com/office/powerpoint/2010/main" val="2020308689"/>
       </p:ext>
     </p:extLst>
   </p:cSld>
